--- a/assets/lectures/cbw/2020/full/RNASeq_Module1_IntrotoRNA.pptx
+++ b/assets/lectures/cbw/2020/full/RNASeq_Module1_IntrotoRNA.pptx
@@ -30,7 +30,7 @@
     <p:sldId id="527" r:id="rId18"/>
     <p:sldId id="528" r:id="rId19"/>
     <p:sldId id="529" r:id="rId20"/>
-    <p:sldId id="530" r:id="rId21"/>
+    <p:sldId id="540" r:id="rId21"/>
     <p:sldId id="531" r:id="rId22"/>
     <p:sldId id="532" r:id="rId23"/>
     <p:sldId id="533" r:id="rId24"/>
@@ -289,7 +289,7 @@
               <a:pPr>
                 <a:defRPr/>
               </a:pPr>
-              <a:t>6/15/20</a:t>
+              <a:t>6/16/20</a:t>
             </a:fld>
             <a:endParaRPr lang="en-US"/>
           </a:p>
@@ -496,7 +496,7 @@
               <a:pPr>
                 <a:defRPr/>
               </a:pPr>
-              <a:t>6/15/20</a:t>
+              <a:t>6/16/20</a:t>
             </a:fld>
             <a:endParaRPr lang="en-US"/>
           </a:p>
@@ -1836,14 +1836,14 @@
           <a:noFill/>
           <a:extLst>
             <a:ext uri="{909E8E84-426E-40dd-AFC4-6F175D3DCCD1}">
-              <a14:hiddenFill xmlns="" xmlns:a14="http://schemas.microsoft.com/office/drawing/2010/main">
+              <a14:hiddenFill xmlns:a14="http://schemas.microsoft.com/office/drawing/2010/main" xmlns="">
                 <a:solidFill>
                   <a:srgbClr val="FFFFFF"/>
                 </a:solidFill>
               </a14:hiddenFill>
             </a:ext>
             <a:ext uri="{91240B29-F687-4f45-9708-019B960494DF}">
-              <a14:hiddenLine xmlns="" xmlns:a14="http://schemas.microsoft.com/office/drawing/2010/main" w="9525">
+              <a14:hiddenLine xmlns:a14="http://schemas.microsoft.com/office/drawing/2010/main" xmlns="" w="9525">
                 <a:solidFill>
                   <a:srgbClr val="000000"/>
                 </a:solidFill>
@@ -2007,7 +2007,7 @@
           </a:ln>
           <a:extLst>
             <a:ext uri="{FAA26D3D-D897-4be2-8F04-BA451C77F1D7}">
-              <ma14:placeholderFlag xmlns="" xmlns:ma14="http://schemas.microsoft.com/office/mac/drawingml/2011/main" val="1"/>
+              <ma14:placeholderFlag xmlns:ma14="http://schemas.microsoft.com/office/mac/drawingml/2011/main" xmlns="" val="1"/>
             </a:ext>
           </a:extLst>
         </p:spPr>
@@ -2036,7 +2036,7 @@
           </a:ln>
           <a:extLst>
             <a:ext uri="{FAA26D3D-D897-4be2-8F04-BA451C77F1D7}">
-              <ma14:placeholderFlag xmlns="" xmlns:ma14="http://schemas.microsoft.com/office/mac/drawingml/2011/main" val="1"/>
+              <ma14:placeholderFlag xmlns:ma14="http://schemas.microsoft.com/office/mac/drawingml/2011/main" xmlns="" val="1"/>
             </a:ext>
           </a:extLst>
         </p:spPr>
@@ -2096,14 +2096,14 @@
           <a:noFill/>
           <a:extLst>
             <a:ext uri="{909E8E84-426E-40dd-AFC4-6F175D3DCCD1}">
-              <a14:hiddenFill xmlns="" xmlns:a14="http://schemas.microsoft.com/office/drawing/2010/main">
+              <a14:hiddenFill xmlns:a14="http://schemas.microsoft.com/office/drawing/2010/main" xmlns="">
                 <a:solidFill>
                   <a:srgbClr val="FFFFFF"/>
                 </a:solidFill>
               </a14:hiddenFill>
             </a:ext>
             <a:ext uri="{91240B29-F687-4f45-9708-019B960494DF}">
-              <a14:hiddenLine xmlns="" xmlns:a14="http://schemas.microsoft.com/office/drawing/2010/main" w="9525">
+              <a14:hiddenLine xmlns:a14="http://schemas.microsoft.com/office/drawing/2010/main" xmlns="" w="9525">
                 <a:solidFill>
                   <a:srgbClr val="000000"/>
                 </a:solidFill>
@@ -2267,7 +2267,7 @@
           </a:ln>
           <a:extLst>
             <a:ext uri="{FAA26D3D-D897-4be2-8F04-BA451C77F1D7}">
-              <ma14:placeholderFlag xmlns="" xmlns:ma14="http://schemas.microsoft.com/office/mac/drawingml/2011/main" val="1"/>
+              <ma14:placeholderFlag xmlns:ma14="http://schemas.microsoft.com/office/mac/drawingml/2011/main" xmlns="" val="1"/>
             </a:ext>
           </a:extLst>
         </p:spPr>
@@ -2296,7 +2296,7 @@
           </a:ln>
           <a:extLst>
             <a:ext uri="{FAA26D3D-D897-4be2-8F04-BA451C77F1D7}">
-              <ma14:placeholderFlag xmlns="" xmlns:ma14="http://schemas.microsoft.com/office/mac/drawingml/2011/main" val="1"/>
+              <ma14:placeholderFlag xmlns:ma14="http://schemas.microsoft.com/office/mac/drawingml/2011/main" xmlns="" val="1"/>
             </a:ext>
           </a:extLst>
         </p:spPr>
@@ -2326,6 +2326,506 @@
 </file>
 
 <file path=ppt/notesSlides/notesSlide15.xml><?xml version="1.0" encoding="utf-8"?>
+<p:notes xmlns:a="http://schemas.openxmlformats.org/drawingml/2006/main" xmlns:r="http://schemas.openxmlformats.org/officeDocument/2006/relationships" xmlns:p="http://schemas.openxmlformats.org/presentationml/2006/main">
+  <p:cSld>
+    <p:spTree>
+      <p:nvGrpSpPr>
+        <p:cNvPr id="1" name=""/>
+        <p:cNvGrpSpPr/>
+        <p:nvPr/>
+      </p:nvGrpSpPr>
+      <p:grpSpPr>
+        <a:xfrm>
+          <a:off x="0" y="0"/>
+          <a:ext cx="0" cy="0"/>
+          <a:chOff x="0" y="0"/>
+          <a:chExt cx="0" cy="0"/>
+        </a:xfrm>
+      </p:grpSpPr>
+      <p:sp>
+        <p:nvSpPr>
+          <p:cNvPr id="2" name="Slide Image Placeholder 1"/>
+          <p:cNvSpPr>
+            <a:spLocks noGrp="1" noRot="1" noChangeAspect="1"/>
+          </p:cNvSpPr>
+          <p:nvPr>
+            <p:ph type="sldImg"/>
+          </p:nvPr>
+        </p:nvSpPr>
+        <p:spPr/>
+      </p:sp>
+      <p:sp>
+        <p:nvSpPr>
+          <p:cNvPr id="3" name="Notes Placeholder 2"/>
+          <p:cNvSpPr>
+            <a:spLocks noGrp="1"/>
+          </p:cNvSpPr>
+          <p:nvPr>
+            <p:ph type="body" idx="1"/>
+          </p:nvPr>
+        </p:nvSpPr>
+        <p:spPr/>
+        <p:txBody>
+          <a:bodyPr>
+            <a:normAutofit lnSpcReduction="10000"/>
+          </a:bodyPr>
+          <a:lstStyle/>
+          <a:p>
+            <a:r>
+              <a:rPr lang="en-US" sz="1200" b="1" kern="1200" dirty="0">
+                <a:solidFill>
+                  <a:schemeClr val="tx1"/>
+                </a:solidFill>
+                <a:effectLst/>
+                <a:latin typeface="+mn-lt"/>
+                <a:ea typeface="ＭＳ Ｐゴシック" pitchFamily="-28" charset="-128"/>
+                <a:cs typeface="ＭＳ Ｐゴシック" pitchFamily="-28" charset="-128"/>
+              </a:rPr>
+              <a:t>RNA-</a:t>
+            </a:r>
+            <a:r>
+              <a:rPr lang="en-US" sz="1200" b="1" kern="1200" dirty="0" err="1">
+                <a:solidFill>
+                  <a:schemeClr val="tx1"/>
+                </a:solidFill>
+                <a:effectLst/>
+                <a:latin typeface="+mn-lt"/>
+                <a:ea typeface="ＭＳ Ｐゴシック" pitchFamily="-28" charset="-128"/>
+                <a:cs typeface="ＭＳ Ｐゴシック" pitchFamily="-28" charset="-128"/>
+              </a:rPr>
+              <a:t>seq</a:t>
+            </a:r>
+            <a:r>
+              <a:rPr lang="en-US" sz="1200" b="1" kern="1200" dirty="0">
+                <a:solidFill>
+                  <a:schemeClr val="tx1"/>
+                </a:solidFill>
+                <a:effectLst/>
+                <a:latin typeface="+mn-lt"/>
+                <a:ea typeface="ＭＳ Ｐゴシック" pitchFamily="-28" charset="-128"/>
+                <a:cs typeface="ＭＳ Ｐゴシック" pitchFamily="-28" charset="-128"/>
+              </a:rPr>
+              <a:t> data analysis workflow for differential gene expression. </a:t>
+            </a:r>
+            <a:r>
+              <a:rPr lang="en-US" sz="1200" b="0" kern="1200" dirty="0">
+                <a:solidFill>
+                  <a:schemeClr val="tx1"/>
+                </a:solidFill>
+                <a:effectLst/>
+                <a:latin typeface="+mn-lt"/>
+                <a:ea typeface="ＭＳ Ｐゴシック" pitchFamily="-28" charset="-128"/>
+                <a:cs typeface="ＭＳ Ｐゴシック" pitchFamily="-28" charset="-128"/>
+              </a:rPr>
+              <a:t>Computational analysis for differential gene expression (DGE) begins with raw RNA sequencing (RNA-</a:t>
+            </a:r>
+            <a:r>
+              <a:rPr lang="en-US" sz="1200" b="0" kern="1200" dirty="0" err="1">
+                <a:solidFill>
+                  <a:schemeClr val="tx1"/>
+                </a:solidFill>
+                <a:effectLst/>
+                <a:latin typeface="+mn-lt"/>
+                <a:ea typeface="ＭＳ Ｐゴシック" pitchFamily="-28" charset="-128"/>
+                <a:cs typeface="ＭＳ Ｐゴシック" pitchFamily="-28" charset="-128"/>
+              </a:rPr>
+              <a:t>seq</a:t>
+            </a:r>
+            <a:r>
+              <a:rPr lang="en-US" sz="1200" b="0" kern="1200" dirty="0">
+                <a:solidFill>
+                  <a:schemeClr val="tx1"/>
+                </a:solidFill>
+                <a:effectLst/>
+                <a:latin typeface="+mn-lt"/>
+                <a:ea typeface="ＭＳ Ｐゴシック" pitchFamily="-28" charset="-128"/>
+                <a:cs typeface="ＭＳ Ｐゴシック" pitchFamily="-28" charset="-128"/>
+              </a:rPr>
+              <a:t>) reads in FASTQ format and can follow a number of paths. Three popular workflows (A, B and C, represented by the solid lines) are given as examples, and some of the more common alternative tools (represented by the dashed lines) are indicated. In workflow A, aligners such as </a:t>
+            </a:r>
+            <a:r>
+              <a:rPr lang="en-US" sz="1200" b="0" kern="1200" dirty="0" err="1">
+                <a:solidFill>
+                  <a:schemeClr val="tx1"/>
+                </a:solidFill>
+                <a:effectLst/>
+                <a:latin typeface="+mn-lt"/>
+                <a:ea typeface="ＭＳ Ｐゴシック" pitchFamily="-28" charset="-128"/>
+                <a:cs typeface="ＭＳ Ｐゴシック" pitchFamily="-28" charset="-128"/>
+              </a:rPr>
+              <a:t>TopHat</a:t>
+            </a:r>
+            <a:r>
+              <a:rPr lang="en-US" sz="1200" b="0" kern="1200" dirty="0">
+                <a:solidFill>
+                  <a:schemeClr val="tx1"/>
+                </a:solidFill>
+                <a:effectLst/>
+                <a:latin typeface="+mn-lt"/>
+                <a:ea typeface="ＭＳ Ｐゴシック" pitchFamily="-28" charset="-128"/>
+                <a:cs typeface="ＭＳ Ｐゴシック" pitchFamily="-28" charset="-128"/>
+              </a:rPr>
+              <a:t>, STAR or HISAT2 use a reference genome to map reads to genomic locations, and then quantification tools, such as </a:t>
+            </a:r>
+            <a:r>
+              <a:rPr lang="en-US" sz="1200" b="0" kern="1200" dirty="0" err="1">
+                <a:solidFill>
+                  <a:schemeClr val="tx1"/>
+                </a:solidFill>
+                <a:effectLst/>
+                <a:latin typeface="+mn-lt"/>
+                <a:ea typeface="ＭＳ Ｐゴシック" pitchFamily="-28" charset="-128"/>
+                <a:cs typeface="ＭＳ Ｐゴシック" pitchFamily="-28" charset="-128"/>
+              </a:rPr>
+              <a:t>HTSeq</a:t>
+            </a:r>
+            <a:r>
+              <a:rPr lang="en-US" sz="1200" b="0" kern="1200" dirty="0">
+                <a:solidFill>
+                  <a:schemeClr val="tx1"/>
+                </a:solidFill>
+                <a:effectLst/>
+                <a:latin typeface="+mn-lt"/>
+                <a:ea typeface="ＭＳ Ｐゴシック" pitchFamily="-28" charset="-128"/>
+                <a:cs typeface="ＭＳ Ｐゴシック" pitchFamily="-28" charset="-128"/>
+              </a:rPr>
+              <a:t> and </a:t>
+            </a:r>
+            <a:r>
+              <a:rPr lang="en-US" sz="1200" b="0" kern="1200" dirty="0" err="1">
+                <a:solidFill>
+                  <a:schemeClr val="tx1"/>
+                </a:solidFill>
+                <a:effectLst/>
+                <a:latin typeface="+mn-lt"/>
+                <a:ea typeface="ＭＳ Ｐゴシック" pitchFamily="-28" charset="-128"/>
+                <a:cs typeface="ＭＳ Ｐゴシック" pitchFamily="-28" charset="-128"/>
+              </a:rPr>
+              <a:t>featureCounts</a:t>
+            </a:r>
+            <a:r>
+              <a:rPr lang="en-US" sz="1200" b="0" kern="1200" dirty="0">
+                <a:solidFill>
+                  <a:schemeClr val="tx1"/>
+                </a:solidFill>
+                <a:effectLst/>
+                <a:latin typeface="+mn-lt"/>
+                <a:ea typeface="ＭＳ Ｐゴシック" pitchFamily="-28" charset="-128"/>
+                <a:cs typeface="ＭＳ Ｐゴシック" pitchFamily="-28" charset="-128"/>
+              </a:rPr>
+              <a:t>, assign reads to features. After normalization (usually using methods embedded in the quantification or expression modelling tools, such as trimmed mean of </a:t>
+            </a:r>
+            <a:r>
+              <a:rPr lang="en-US" sz="1200" b="0" i="1" kern="1200" dirty="0">
+                <a:solidFill>
+                  <a:schemeClr val="tx1"/>
+                </a:solidFill>
+                <a:effectLst/>
+                <a:latin typeface="+mn-lt"/>
+                <a:ea typeface="ＭＳ Ｐゴシック" pitchFamily="-28" charset="-128"/>
+                <a:cs typeface="ＭＳ Ｐゴシック" pitchFamily="-28" charset="-128"/>
+              </a:rPr>
+              <a:t>M</a:t>
+            </a:r>
+            <a:r>
+              <a:rPr lang="en-US" sz="1200" b="0" kern="1200" dirty="0">
+                <a:solidFill>
+                  <a:schemeClr val="tx1"/>
+                </a:solidFill>
+                <a:effectLst/>
+                <a:latin typeface="+mn-lt"/>
+                <a:ea typeface="ＭＳ Ｐゴシック" pitchFamily="-28" charset="-128"/>
+                <a:cs typeface="ＭＳ Ｐゴシック" pitchFamily="-28" charset="-128"/>
+              </a:rPr>
+              <a:t>-values (TMM)), gene expression is modelled using tools such as </a:t>
+            </a:r>
+            <a:r>
+              <a:rPr lang="en-US" sz="1200" b="0" kern="1200" dirty="0" err="1">
+                <a:solidFill>
+                  <a:schemeClr val="tx1"/>
+                </a:solidFill>
+                <a:effectLst/>
+                <a:latin typeface="+mn-lt"/>
+                <a:ea typeface="ＭＳ Ｐゴシック" pitchFamily="-28" charset="-128"/>
+                <a:cs typeface="ＭＳ Ｐゴシック" pitchFamily="-28" charset="-128"/>
+              </a:rPr>
+              <a:t>edgeR</a:t>
+            </a:r>
+            <a:r>
+              <a:rPr lang="en-US" sz="1200" b="0" kern="1200" dirty="0">
+                <a:solidFill>
+                  <a:schemeClr val="tx1"/>
+                </a:solidFill>
+                <a:effectLst/>
+                <a:latin typeface="+mn-lt"/>
+                <a:ea typeface="ＭＳ Ｐゴシック" pitchFamily="-28" charset="-128"/>
+                <a:cs typeface="ＭＳ Ｐゴシック" pitchFamily="-28" charset="-128"/>
+              </a:rPr>
+              <a:t>, DESeq2 and </a:t>
+            </a:r>
+            <a:r>
+              <a:rPr lang="en-US" sz="1200" b="0" kern="1200" dirty="0" err="1">
+                <a:solidFill>
+                  <a:schemeClr val="tx1"/>
+                </a:solidFill>
+                <a:effectLst/>
+                <a:latin typeface="+mn-lt"/>
+                <a:ea typeface="ＭＳ Ｐゴシック" pitchFamily="-28" charset="-128"/>
+                <a:cs typeface="ＭＳ Ｐゴシック" pitchFamily="-28" charset="-128"/>
+              </a:rPr>
+              <a:t>limma</a:t>
+            </a:r>
+            <a:r>
+              <a:rPr lang="en-US" sz="1200" kern="1200" dirty="0" err="1">
+                <a:solidFill>
+                  <a:schemeClr val="tx1"/>
+                </a:solidFill>
+                <a:effectLst/>
+                <a:latin typeface="+mn-lt"/>
+                <a:ea typeface="ＭＳ Ｐゴシック" pitchFamily="-28" charset="-128"/>
+                <a:cs typeface="ＭＳ Ｐゴシック" pitchFamily="-28" charset="-128"/>
+              </a:rPr>
+              <a:t>+</a:t>
+            </a:r>
+            <a:r>
+              <a:rPr lang="en-US" sz="1200" b="0" kern="1200" dirty="0" err="1">
+                <a:solidFill>
+                  <a:schemeClr val="tx1"/>
+                </a:solidFill>
+                <a:effectLst/>
+                <a:latin typeface="+mn-lt"/>
+                <a:ea typeface="ＭＳ Ｐゴシック" pitchFamily="-28" charset="-128"/>
+                <a:cs typeface="ＭＳ Ｐゴシック" pitchFamily="-28" charset="-128"/>
+              </a:rPr>
+              <a:t>voom</a:t>
+            </a:r>
+            <a:r>
+              <a:rPr lang="en-US" sz="1200" b="0" kern="1200" dirty="0">
+                <a:solidFill>
+                  <a:schemeClr val="tx1"/>
+                </a:solidFill>
+                <a:effectLst/>
+                <a:latin typeface="+mn-lt"/>
+                <a:ea typeface="ＭＳ Ｐゴシック" pitchFamily="-28" charset="-128"/>
+                <a:cs typeface="ＭＳ Ｐゴシック" pitchFamily="-28" charset="-128"/>
+              </a:rPr>
+              <a:t>, and a list of differentially expressed genes or transcripts is generated for further visualization and interpretation. In workflow B, newer, alignment-free tools, such as </a:t>
+            </a:r>
+            <a:r>
+              <a:rPr lang="en-US" sz="1200" b="0" kern="1200" dirty="0" err="1">
+                <a:solidFill>
+                  <a:schemeClr val="tx1"/>
+                </a:solidFill>
+                <a:effectLst/>
+                <a:latin typeface="+mn-lt"/>
+                <a:ea typeface="ＭＳ Ｐゴシック" pitchFamily="-28" charset="-128"/>
+                <a:cs typeface="ＭＳ Ｐゴシック" pitchFamily="-28" charset="-128"/>
+              </a:rPr>
+              <a:t>Kallisto</a:t>
+            </a:r>
+            <a:r>
+              <a:rPr lang="en-US" sz="1200" b="0" kern="1200" dirty="0">
+                <a:solidFill>
+                  <a:schemeClr val="tx1"/>
+                </a:solidFill>
+                <a:effectLst/>
+                <a:latin typeface="+mn-lt"/>
+                <a:ea typeface="ＭＳ Ｐゴシック" pitchFamily="-28" charset="-128"/>
+                <a:cs typeface="ＭＳ Ｐゴシック" pitchFamily="-28" charset="-128"/>
+              </a:rPr>
+              <a:t> and Salmon, assemble a transcriptome and quantify abundance in one step. The output from these tools is usually converted to count estimates (using </a:t>
+            </a:r>
+            <a:r>
+              <a:rPr lang="en-US" sz="1200" b="0" kern="1200" dirty="0" err="1">
+                <a:solidFill>
+                  <a:schemeClr val="tx1"/>
+                </a:solidFill>
+                <a:effectLst/>
+                <a:latin typeface="+mn-lt"/>
+                <a:ea typeface="ＭＳ Ｐゴシック" pitchFamily="-28" charset="-128"/>
+                <a:cs typeface="ＭＳ Ｐゴシック" pitchFamily="-28" charset="-128"/>
+              </a:rPr>
+              <a:t>tximport</a:t>
+            </a:r>
+            <a:r>
+              <a:rPr lang="en-US" sz="1200" b="0" kern="1200" dirty="0">
+                <a:solidFill>
+                  <a:schemeClr val="tx1"/>
+                </a:solidFill>
+                <a:effectLst/>
+                <a:latin typeface="+mn-lt"/>
+                <a:ea typeface="ＭＳ Ｐゴシック" pitchFamily="-28" charset="-128"/>
+                <a:cs typeface="ＭＳ Ｐゴシック" pitchFamily="-28" charset="-128"/>
+              </a:rPr>
+              <a:t> (TXI)) and run through the same normalization and modelling used in workflow A, to output a list of differentially expressed genes or transcripts. Alternatively, workflow C begins by aligning the reads (typically performed with </a:t>
+            </a:r>
+            <a:r>
+              <a:rPr lang="en-US" sz="1200" b="0" kern="1200" dirty="0" err="1">
+                <a:solidFill>
+                  <a:schemeClr val="tx1"/>
+                </a:solidFill>
+                <a:effectLst/>
+                <a:latin typeface="+mn-lt"/>
+                <a:ea typeface="ＭＳ Ｐゴシック" pitchFamily="-28" charset="-128"/>
+                <a:cs typeface="ＭＳ Ｐゴシック" pitchFamily="-28" charset="-128"/>
+              </a:rPr>
+              <a:t>TopHat</a:t>
+            </a:r>
+            <a:r>
+              <a:rPr lang="en-US" sz="1200" b="0" kern="1200" dirty="0">
+                <a:solidFill>
+                  <a:schemeClr val="tx1"/>
+                </a:solidFill>
+                <a:effectLst/>
+                <a:latin typeface="+mn-lt"/>
+                <a:ea typeface="ＭＳ Ｐゴシック" pitchFamily="-28" charset="-128"/>
+                <a:cs typeface="ＭＳ Ｐゴシック" pitchFamily="-28" charset="-128"/>
+              </a:rPr>
+              <a:t>, although STAR and HISAT can also be used), followed by the use of </a:t>
+            </a:r>
+            <a:r>
+              <a:rPr lang="en-US" sz="1200" b="0" kern="1200" dirty="0" err="1">
+                <a:solidFill>
+                  <a:schemeClr val="tx1"/>
+                </a:solidFill>
+                <a:effectLst/>
+                <a:latin typeface="+mn-lt"/>
+                <a:ea typeface="ＭＳ Ｐゴシック" pitchFamily="-28" charset="-128"/>
+                <a:cs typeface="ＭＳ Ｐゴシック" pitchFamily="-28" charset="-128"/>
+              </a:rPr>
+              <a:t>CuffLinks</a:t>
+            </a:r>
+            <a:r>
+              <a:rPr lang="en-US" sz="1200" b="0" kern="1200" dirty="0">
+                <a:solidFill>
+                  <a:schemeClr val="tx1"/>
+                </a:solidFill>
+                <a:effectLst/>
+                <a:latin typeface="+mn-lt"/>
+                <a:ea typeface="ＭＳ Ｐゴシック" pitchFamily="-28" charset="-128"/>
+                <a:cs typeface="ＭＳ Ｐゴシック" pitchFamily="-28" charset="-128"/>
+              </a:rPr>
+              <a:t> to process raw reads and the CuffDiff2 package to output transcript abundance estimates and a list of differentially expressed genes or transcripts. Other tools in common use include </a:t>
+            </a:r>
+            <a:r>
+              <a:rPr lang="en-US" sz="1200" b="0" kern="1200" dirty="0" err="1">
+                <a:solidFill>
+                  <a:schemeClr val="tx1"/>
+                </a:solidFill>
+                <a:effectLst/>
+                <a:latin typeface="+mn-lt"/>
+                <a:ea typeface="ＭＳ Ｐゴシック" pitchFamily="-28" charset="-128"/>
+                <a:cs typeface="ＭＳ Ｐゴシック" pitchFamily="-28" charset="-128"/>
+              </a:rPr>
+              <a:t>StringTie</a:t>
+            </a:r>
+            <a:r>
+              <a:rPr lang="en-US" sz="1200" b="0" kern="1200" dirty="0">
+                <a:solidFill>
+                  <a:schemeClr val="tx1"/>
+                </a:solidFill>
+                <a:effectLst/>
+                <a:latin typeface="+mn-lt"/>
+                <a:ea typeface="ＭＳ Ｐゴシック" pitchFamily="-28" charset="-128"/>
+                <a:cs typeface="ＭＳ Ｐゴシック" pitchFamily="-28" charset="-128"/>
+              </a:rPr>
+              <a:t>, which assembles a transcriptome model from </a:t>
+            </a:r>
+            <a:r>
+              <a:rPr lang="en-US" sz="1200" b="0" kern="1200" dirty="0" err="1">
+                <a:solidFill>
+                  <a:schemeClr val="tx1"/>
+                </a:solidFill>
+                <a:effectLst/>
+                <a:latin typeface="+mn-lt"/>
+                <a:ea typeface="ＭＳ Ｐゴシック" pitchFamily="-28" charset="-128"/>
+                <a:cs typeface="ＭＳ Ｐゴシック" pitchFamily="-28" charset="-128"/>
+              </a:rPr>
+              <a:t>TopHat</a:t>
+            </a:r>
+            <a:r>
+              <a:rPr lang="en-US" sz="1200" b="0" kern="1200" dirty="0">
+                <a:solidFill>
+                  <a:schemeClr val="tx1"/>
+                </a:solidFill>
+                <a:effectLst/>
+                <a:latin typeface="+mn-lt"/>
+                <a:ea typeface="ＭＳ Ｐゴシック" pitchFamily="-28" charset="-128"/>
+                <a:cs typeface="ＭＳ Ｐゴシック" pitchFamily="-28" charset="-128"/>
+              </a:rPr>
+              <a:t> (or similar tools) before the results are passed through to RSEM or MMSEQ to estimate transcript abundance, and then to Ballgown to identify differentially expressed genes or transcripts, and </a:t>
+            </a:r>
+            <a:r>
+              <a:rPr lang="en-US" sz="1200" b="0" kern="1200" dirty="0" err="1">
+                <a:solidFill>
+                  <a:schemeClr val="tx1"/>
+                </a:solidFill>
+                <a:effectLst/>
+                <a:latin typeface="+mn-lt"/>
+                <a:ea typeface="ＭＳ Ｐゴシック" pitchFamily="-28" charset="-128"/>
+                <a:cs typeface="ＭＳ Ｐゴシック" pitchFamily="-28" charset="-128"/>
+              </a:rPr>
+              <a:t>SOAPdenovo</a:t>
+            </a:r>
+            <a:r>
+              <a:rPr lang="en-US" sz="1200" b="0" kern="1200" dirty="0">
+                <a:solidFill>
+                  <a:schemeClr val="tx1"/>
+                </a:solidFill>
+                <a:effectLst/>
+                <a:latin typeface="+mn-lt"/>
+                <a:ea typeface="ＭＳ Ｐゴシック" pitchFamily="-28" charset="-128"/>
+                <a:cs typeface="ＭＳ Ｐゴシック" pitchFamily="-28" charset="-128"/>
+              </a:rPr>
+              <a:t>-trans, which simultaneously aligns and assembles reads for analysis via the path of choice. </a:t>
+            </a:r>
+            <a:endParaRPr lang="en-US" dirty="0"/>
+          </a:p>
+        </p:txBody>
+      </p:sp>
+      <p:sp>
+        <p:nvSpPr>
+          <p:cNvPr id="4" name="Slide Number Placeholder 3"/>
+          <p:cNvSpPr>
+            <a:spLocks noGrp="1"/>
+          </p:cNvSpPr>
+          <p:nvPr>
+            <p:ph type="sldNum" sz="quarter" idx="5"/>
+          </p:nvPr>
+        </p:nvSpPr>
+        <p:spPr/>
+        <p:txBody>
+          <a:bodyPr/>
+          <a:lstStyle/>
+          <a:p>
+            <a:pPr>
+              <a:defRPr/>
+            </a:pPr>
+            <a:fld id="{58FBEE90-0CDA-3447-B595-4F8759630F3A}" type="slidenum">
+              <a:rPr lang="en-US" smtClean="0"/>
+              <a:pPr>
+                <a:defRPr/>
+              </a:pPr>
+              <a:t>20</a:t>
+            </a:fld>
+            <a:endParaRPr lang="en-US"/>
+          </a:p>
+        </p:txBody>
+      </p:sp>
+    </p:spTree>
+    <p:extLst>
+      <p:ext uri="{BB962C8B-B14F-4D97-AF65-F5344CB8AC3E}">
+        <p14:creationId xmlns:p14="http://schemas.microsoft.com/office/powerpoint/2010/main" val="3134832336"/>
+      </p:ext>
+    </p:extLst>
+  </p:cSld>
+  <p:clrMapOvr>
+    <a:masterClrMapping/>
+  </p:clrMapOvr>
+</p:notes>
+</file>
+
+<file path=ppt/notesSlides/notesSlide16.xml><?xml version="1.0" encoding="utf-8"?>
 <p:notes xmlns:a="http://schemas.openxmlformats.org/drawingml/2006/main" xmlns:r="http://schemas.openxmlformats.org/officeDocument/2006/relationships" xmlns:p="http://schemas.openxmlformats.org/presentationml/2006/main">
   <p:cSld>
     <p:spTree>
@@ -2356,14 +2856,14 @@
           <a:noFill/>
           <a:extLst>
             <a:ext uri="{909E8E84-426E-40dd-AFC4-6F175D3DCCD1}">
-              <a14:hiddenFill xmlns="" xmlns:a14="http://schemas.microsoft.com/office/drawing/2010/main">
+              <a14:hiddenFill xmlns:a14="http://schemas.microsoft.com/office/drawing/2010/main" xmlns="">
                 <a:solidFill>
                   <a:srgbClr val="FFFFFF"/>
                 </a:solidFill>
               </a14:hiddenFill>
             </a:ext>
             <a:ext uri="{91240B29-F687-4f45-9708-019B960494DF}">
-              <a14:hiddenLine xmlns="" xmlns:a14="http://schemas.microsoft.com/office/drawing/2010/main" w="9525">
+              <a14:hiddenLine xmlns:a14="http://schemas.microsoft.com/office/drawing/2010/main" xmlns="" w="9525">
                 <a:solidFill>
                   <a:srgbClr val="000000"/>
                 </a:solidFill>
@@ -2527,7 +3027,7 @@
           </a:ln>
           <a:extLst>
             <a:ext uri="{FAA26D3D-D897-4be2-8F04-BA451C77F1D7}">
-              <ma14:placeholderFlag xmlns="" xmlns:ma14="http://schemas.microsoft.com/office/mac/drawingml/2011/main" val="1"/>
+              <ma14:placeholderFlag xmlns:ma14="http://schemas.microsoft.com/office/mac/drawingml/2011/main" xmlns="" val="1"/>
             </a:ext>
           </a:extLst>
         </p:spPr>
@@ -2556,7 +3056,7 @@
           </a:ln>
           <a:extLst>
             <a:ext uri="{FAA26D3D-D897-4be2-8F04-BA451C77F1D7}">
-              <ma14:placeholderFlag xmlns="" xmlns:ma14="http://schemas.microsoft.com/office/mac/drawingml/2011/main" val="1"/>
+              <ma14:placeholderFlag xmlns:ma14="http://schemas.microsoft.com/office/mac/drawingml/2011/main" xmlns="" val="1"/>
             </a:ext>
           </a:extLst>
         </p:spPr>
@@ -2585,7 +3085,7 @@
 </p:notes>
 </file>
 
-<file path=ppt/notesSlides/notesSlide16.xml><?xml version="1.0" encoding="utf-8"?>
+<file path=ppt/notesSlides/notesSlide17.xml><?xml version="1.0" encoding="utf-8"?>
 <p:notes xmlns:a="http://schemas.openxmlformats.org/drawingml/2006/main" xmlns:r="http://schemas.openxmlformats.org/officeDocument/2006/relationships" xmlns:p="http://schemas.openxmlformats.org/presentationml/2006/main">
   <p:cSld>
     <p:spTree>
@@ -2616,14 +3116,14 @@
           <a:noFill/>
           <a:extLst>
             <a:ext uri="{909E8E84-426E-40dd-AFC4-6F175D3DCCD1}">
-              <a14:hiddenFill xmlns="" xmlns:a14="http://schemas.microsoft.com/office/drawing/2010/main">
+              <a14:hiddenFill xmlns:a14="http://schemas.microsoft.com/office/drawing/2010/main" xmlns="">
                 <a:solidFill>
                   <a:srgbClr val="FFFFFF"/>
                 </a:solidFill>
               </a14:hiddenFill>
             </a:ext>
             <a:ext uri="{91240B29-F687-4f45-9708-019B960494DF}">
-              <a14:hiddenLine xmlns="" xmlns:a14="http://schemas.microsoft.com/office/drawing/2010/main" w="9525">
+              <a14:hiddenLine xmlns:a14="http://schemas.microsoft.com/office/drawing/2010/main" xmlns="" w="9525">
                 <a:solidFill>
                   <a:srgbClr val="000000"/>
                 </a:solidFill>
@@ -2787,7 +3287,7 @@
           </a:ln>
           <a:extLst>
             <a:ext uri="{FAA26D3D-D897-4be2-8F04-BA451C77F1D7}">
-              <ma14:placeholderFlag xmlns="" xmlns:ma14="http://schemas.microsoft.com/office/mac/drawingml/2011/main" val="1"/>
+              <ma14:placeholderFlag xmlns:ma14="http://schemas.microsoft.com/office/mac/drawingml/2011/main" xmlns="" val="1"/>
             </a:ext>
           </a:extLst>
         </p:spPr>
@@ -2816,7 +3316,7 @@
           </a:ln>
           <a:extLst>
             <a:ext uri="{FAA26D3D-D897-4be2-8F04-BA451C77F1D7}">
-              <ma14:placeholderFlag xmlns="" xmlns:ma14="http://schemas.microsoft.com/office/mac/drawingml/2011/main" val="1"/>
+              <ma14:placeholderFlag xmlns:ma14="http://schemas.microsoft.com/office/mac/drawingml/2011/main" xmlns="" val="1"/>
             </a:ext>
           </a:extLst>
         </p:spPr>
@@ -2845,7 +3345,7 @@
 </p:notes>
 </file>
 
-<file path=ppt/notesSlides/notesSlide17.xml><?xml version="1.0" encoding="utf-8"?>
+<file path=ppt/notesSlides/notesSlide18.xml><?xml version="1.0" encoding="utf-8"?>
 <p:notes xmlns:a="http://schemas.openxmlformats.org/drawingml/2006/main" xmlns:r="http://schemas.openxmlformats.org/officeDocument/2006/relationships" xmlns:p="http://schemas.openxmlformats.org/presentationml/2006/main">
   <p:cSld>
     <p:spTree>
@@ -2876,14 +3376,14 @@
           <a:noFill/>
           <a:extLst>
             <a:ext uri="{909E8E84-426E-40dd-AFC4-6F175D3DCCD1}">
-              <a14:hiddenFill xmlns="" xmlns:a14="http://schemas.microsoft.com/office/drawing/2010/main">
+              <a14:hiddenFill xmlns:a14="http://schemas.microsoft.com/office/drawing/2010/main" xmlns="">
                 <a:solidFill>
                   <a:srgbClr val="FFFFFF"/>
                 </a:solidFill>
               </a14:hiddenFill>
             </a:ext>
             <a:ext uri="{91240B29-F687-4f45-9708-019B960494DF}">
-              <a14:hiddenLine xmlns="" xmlns:a14="http://schemas.microsoft.com/office/drawing/2010/main" w="9525">
+              <a14:hiddenLine xmlns:a14="http://schemas.microsoft.com/office/drawing/2010/main" xmlns="" w="9525">
                 <a:solidFill>
                   <a:srgbClr val="000000"/>
                 </a:solidFill>
@@ -3047,7 +3547,7 @@
           </a:ln>
           <a:extLst>
             <a:ext uri="{FAA26D3D-D897-4be2-8F04-BA451C77F1D7}">
-              <ma14:placeholderFlag xmlns="" xmlns:ma14="http://schemas.microsoft.com/office/mac/drawingml/2011/main" val="1"/>
+              <ma14:placeholderFlag xmlns:ma14="http://schemas.microsoft.com/office/mac/drawingml/2011/main" xmlns="" val="1"/>
             </a:ext>
           </a:extLst>
         </p:spPr>
@@ -3076,7 +3576,7 @@
           </a:ln>
           <a:extLst>
             <a:ext uri="{FAA26D3D-D897-4be2-8F04-BA451C77F1D7}">
-              <ma14:placeholderFlag xmlns="" xmlns:ma14="http://schemas.microsoft.com/office/mac/drawingml/2011/main" val="1"/>
+              <ma14:placeholderFlag xmlns:ma14="http://schemas.microsoft.com/office/mac/drawingml/2011/main" xmlns="" val="1"/>
             </a:ext>
           </a:extLst>
         </p:spPr>
@@ -3105,7 +3605,7 @@
 </p:notes>
 </file>
 
-<file path=ppt/notesSlides/notesSlide18.xml><?xml version="1.0" encoding="utf-8"?>
+<file path=ppt/notesSlides/notesSlide19.xml><?xml version="1.0" encoding="utf-8"?>
 <p:notes xmlns:a="http://schemas.openxmlformats.org/drawingml/2006/main" xmlns:r="http://schemas.openxmlformats.org/officeDocument/2006/relationships" xmlns:p="http://schemas.openxmlformats.org/presentationml/2006/main" showMasterSp="0" showMasterPhAnim="0">
   <p:cSld>
     <p:spTree>
@@ -3535,14 +4035,14 @@
           </a:ln>
           <a:extLst>
             <a:ext uri="{909E8E84-426E-40dd-AFC4-6F175D3DCCD1}">
-              <a14:hiddenFill xmlns="" xmlns:a14="http://schemas.microsoft.com/office/drawing/2010/main">
+              <a14:hiddenFill xmlns:a14="http://schemas.microsoft.com/office/drawing/2010/main" xmlns="">
                 <a:solidFill>
                   <a:srgbClr val="FFFFFF"/>
                 </a:solidFill>
               </a14:hiddenFill>
             </a:ext>
             <a:ext uri="{FAA26D3D-D897-4be2-8F04-BA451C77F1D7}">
-              <ma14:placeholderFlag xmlns="" xmlns:ma14="http://schemas.microsoft.com/office/mac/drawingml/2011/main" val="1"/>
+              <ma14:placeholderFlag xmlns:ma14="http://schemas.microsoft.com/office/mac/drawingml/2011/main" xmlns="" val="1"/>
             </a:ext>
           </a:extLst>
         </p:spPr>
@@ -3561,14 +4061,14 @@
           <a:noFill/>
           <a:extLst>
             <a:ext uri="{909E8E84-426E-40dd-AFC4-6F175D3DCCD1}">
-              <a14:hiddenFill xmlns="" xmlns:a14="http://schemas.microsoft.com/office/drawing/2010/main">
+              <a14:hiddenFill xmlns:a14="http://schemas.microsoft.com/office/drawing/2010/main" xmlns="">
                 <a:solidFill>
                   <a:srgbClr val="FFFFFF"/>
                 </a:solidFill>
               </a14:hiddenFill>
             </a:ext>
             <a:ext uri="{91240B29-F687-4f45-9708-019B960494DF}">
-              <a14:hiddenLine xmlns="" xmlns:a14="http://schemas.microsoft.com/office/drawing/2010/main" w="9525">
+              <a14:hiddenLine xmlns:a14="http://schemas.microsoft.com/office/drawing/2010/main" xmlns="" w="9525">
                 <a:solidFill>
                   <a:srgbClr val="000000"/>
                 </a:solidFill>
@@ -3578,7 +4078,7 @@
               </a14:hiddenLine>
             </a:ext>
             <a:ext uri="{FAA26D3D-D897-4be2-8F04-BA451C77F1D7}">
-              <ma14:placeholderFlag xmlns="" xmlns:ma14="http://schemas.microsoft.com/office/mac/drawingml/2011/main" val="1"/>
+              <ma14:placeholderFlag xmlns:ma14="http://schemas.microsoft.com/office/mac/drawingml/2011/main" xmlns="" val="1"/>
             </a:ext>
           </a:extLst>
         </p:spPr>
@@ -3612,14 +4112,14 @@
           <a:noFill/>
           <a:extLst>
             <a:ext uri="{909E8E84-426E-40dd-AFC4-6F175D3DCCD1}">
-              <a14:hiddenFill xmlns="" xmlns:a14="http://schemas.microsoft.com/office/drawing/2010/main">
+              <a14:hiddenFill xmlns:a14="http://schemas.microsoft.com/office/drawing/2010/main" xmlns="">
                 <a:solidFill>
                   <a:srgbClr val="FFFFFF"/>
                 </a:solidFill>
               </a14:hiddenFill>
             </a:ext>
             <a:ext uri="{91240B29-F687-4f45-9708-019B960494DF}">
-              <a14:hiddenLine xmlns="" xmlns:a14="http://schemas.microsoft.com/office/drawing/2010/main" w="9525">
+              <a14:hiddenLine xmlns:a14="http://schemas.microsoft.com/office/drawing/2010/main" xmlns="" w="9525">
                 <a:solidFill>
                   <a:srgbClr val="000000"/>
                 </a:solidFill>
@@ -3794,14 +4294,14 @@
           <a:noFill/>
           <a:extLst>
             <a:ext uri="{909E8E84-426E-40dd-AFC4-6F175D3DCCD1}">
-              <a14:hiddenFill xmlns="" xmlns:a14="http://schemas.microsoft.com/office/drawing/2010/main">
+              <a14:hiddenFill xmlns:a14="http://schemas.microsoft.com/office/drawing/2010/main" xmlns="">
                 <a:solidFill>
                   <a:srgbClr val="FFFFFF"/>
                 </a:solidFill>
               </a14:hiddenFill>
             </a:ext>
             <a:ext uri="{91240B29-F687-4f45-9708-019B960494DF}">
-              <a14:hiddenLine xmlns="" xmlns:a14="http://schemas.microsoft.com/office/drawing/2010/main" w="9525">
+              <a14:hiddenLine xmlns:a14="http://schemas.microsoft.com/office/drawing/2010/main" xmlns="" w="9525">
                 <a:solidFill>
                   <a:srgbClr val="000000"/>
                 </a:solidFill>
@@ -3965,7 +4465,7 @@
           </a:ln>
           <a:extLst>
             <a:ext uri="{FAA26D3D-D897-4be2-8F04-BA451C77F1D7}">
-              <ma14:placeholderFlag xmlns="" xmlns:ma14="http://schemas.microsoft.com/office/mac/drawingml/2011/main" val="1"/>
+              <ma14:placeholderFlag xmlns:ma14="http://schemas.microsoft.com/office/mac/drawingml/2011/main" xmlns="" val="1"/>
             </a:ext>
           </a:extLst>
         </p:spPr>
@@ -3994,7 +4494,7 @@
           </a:ln>
           <a:extLst>
             <a:ext uri="{FAA26D3D-D897-4be2-8F04-BA451C77F1D7}">
-              <ma14:placeholderFlag xmlns="" xmlns:ma14="http://schemas.microsoft.com/office/mac/drawingml/2011/main" val="1"/>
+              <ma14:placeholderFlag xmlns:ma14="http://schemas.microsoft.com/office/mac/drawingml/2011/main" xmlns="" val="1"/>
             </a:ext>
           </a:extLst>
         </p:spPr>
@@ -4054,14 +4554,14 @@
           <a:noFill/>
           <a:extLst>
             <a:ext uri="{909E8E84-426E-40dd-AFC4-6F175D3DCCD1}">
-              <a14:hiddenFill xmlns="" xmlns:a14="http://schemas.microsoft.com/office/drawing/2010/main">
+              <a14:hiddenFill xmlns:a14="http://schemas.microsoft.com/office/drawing/2010/main" xmlns="">
                 <a:solidFill>
                   <a:srgbClr val="FFFFFF"/>
                 </a:solidFill>
               </a14:hiddenFill>
             </a:ext>
             <a:ext uri="{91240B29-F687-4f45-9708-019B960494DF}">
-              <a14:hiddenLine xmlns="" xmlns:a14="http://schemas.microsoft.com/office/drawing/2010/main" w="9525">
+              <a14:hiddenLine xmlns:a14="http://schemas.microsoft.com/office/drawing/2010/main" xmlns="" w="9525">
                 <a:solidFill>
                   <a:srgbClr val="000000"/>
                 </a:solidFill>
@@ -4225,7 +4725,7 @@
           </a:ln>
           <a:extLst>
             <a:ext uri="{FAA26D3D-D897-4be2-8F04-BA451C77F1D7}">
-              <ma14:placeholderFlag xmlns="" xmlns:ma14="http://schemas.microsoft.com/office/mac/drawingml/2011/main" val="1"/>
+              <ma14:placeholderFlag xmlns:ma14="http://schemas.microsoft.com/office/mac/drawingml/2011/main" xmlns="" val="1"/>
             </a:ext>
           </a:extLst>
         </p:spPr>
@@ -4254,7 +4754,7 @@
           </a:ln>
           <a:extLst>
             <a:ext uri="{FAA26D3D-D897-4be2-8F04-BA451C77F1D7}">
-              <ma14:placeholderFlag xmlns="" xmlns:ma14="http://schemas.microsoft.com/office/mac/drawingml/2011/main" val="1"/>
+              <ma14:placeholderFlag xmlns:ma14="http://schemas.microsoft.com/office/mac/drawingml/2011/main" xmlns="" val="1"/>
             </a:ext>
           </a:extLst>
         </p:spPr>
@@ -4421,14 +4921,14 @@
           <a:noFill/>
           <a:extLst>
             <a:ext uri="{909E8E84-426E-40dd-AFC4-6F175D3DCCD1}">
-              <a14:hiddenFill xmlns="" xmlns:a14="http://schemas.microsoft.com/office/drawing/2010/main">
+              <a14:hiddenFill xmlns:a14="http://schemas.microsoft.com/office/drawing/2010/main" xmlns="">
                 <a:solidFill>
                   <a:srgbClr val="FFFFFF"/>
                 </a:solidFill>
               </a14:hiddenFill>
             </a:ext>
             <a:ext uri="{91240B29-F687-4f45-9708-019B960494DF}">
-              <a14:hiddenLine xmlns="" xmlns:a14="http://schemas.microsoft.com/office/drawing/2010/main" w="9525">
+              <a14:hiddenLine xmlns:a14="http://schemas.microsoft.com/office/drawing/2010/main" xmlns="" w="9525">
                 <a:solidFill>
                   <a:srgbClr val="000000"/>
                 </a:solidFill>
@@ -4592,7 +5092,7 @@
           </a:ln>
           <a:extLst>
             <a:ext uri="{FAA26D3D-D897-4be2-8F04-BA451C77F1D7}">
-              <ma14:placeholderFlag xmlns="" xmlns:ma14="http://schemas.microsoft.com/office/mac/drawingml/2011/main" val="1"/>
+              <ma14:placeholderFlag xmlns:ma14="http://schemas.microsoft.com/office/mac/drawingml/2011/main" xmlns="" val="1"/>
             </a:ext>
           </a:extLst>
         </p:spPr>
@@ -4621,7 +5121,7 @@
           </a:ln>
           <a:extLst>
             <a:ext uri="{FAA26D3D-D897-4be2-8F04-BA451C77F1D7}">
-              <ma14:placeholderFlag xmlns="" xmlns:ma14="http://schemas.microsoft.com/office/mac/drawingml/2011/main" val="1"/>
+              <ma14:placeholderFlag xmlns:ma14="http://schemas.microsoft.com/office/mac/drawingml/2011/main" xmlns="" val="1"/>
             </a:ext>
           </a:extLst>
         </p:spPr>
@@ -4681,14 +5181,14 @@
           <a:noFill/>
           <a:extLst>
             <a:ext uri="{909E8E84-426E-40dd-AFC4-6F175D3DCCD1}">
-              <a14:hiddenFill xmlns="" xmlns:a14="http://schemas.microsoft.com/office/drawing/2010/main">
+              <a14:hiddenFill xmlns:a14="http://schemas.microsoft.com/office/drawing/2010/main" xmlns="">
                 <a:solidFill>
                   <a:srgbClr val="FFFFFF"/>
                 </a:solidFill>
               </a14:hiddenFill>
             </a:ext>
             <a:ext uri="{91240B29-F687-4f45-9708-019B960494DF}">
-              <a14:hiddenLine xmlns="" xmlns:a14="http://schemas.microsoft.com/office/drawing/2010/main" w="9525">
+              <a14:hiddenLine xmlns:a14="http://schemas.microsoft.com/office/drawing/2010/main" xmlns="" w="9525">
                 <a:solidFill>
                   <a:srgbClr val="000000"/>
                 </a:solidFill>
@@ -4852,7 +5352,7 @@
           </a:ln>
           <a:extLst>
             <a:ext uri="{FAA26D3D-D897-4be2-8F04-BA451C77F1D7}">
-              <ma14:placeholderFlag xmlns="" xmlns:ma14="http://schemas.microsoft.com/office/mac/drawingml/2011/main" val="1"/>
+              <ma14:placeholderFlag xmlns:ma14="http://schemas.microsoft.com/office/mac/drawingml/2011/main" xmlns="" val="1"/>
             </a:ext>
           </a:extLst>
         </p:spPr>
@@ -4881,7 +5381,7 @@
           </a:ln>
           <a:extLst>
             <a:ext uri="{FAA26D3D-D897-4be2-8F04-BA451C77F1D7}">
-              <ma14:placeholderFlag xmlns="" xmlns:ma14="http://schemas.microsoft.com/office/mac/drawingml/2011/main" val="1"/>
+              <ma14:placeholderFlag xmlns:ma14="http://schemas.microsoft.com/office/mac/drawingml/2011/main" xmlns="" val="1"/>
             </a:ext>
           </a:extLst>
         </p:spPr>
@@ -4941,14 +5441,14 @@
           <a:noFill/>
           <a:extLst>
             <a:ext uri="{909E8E84-426E-40dd-AFC4-6F175D3DCCD1}">
-              <a14:hiddenFill xmlns="" xmlns:a14="http://schemas.microsoft.com/office/drawing/2010/main">
+              <a14:hiddenFill xmlns:a14="http://schemas.microsoft.com/office/drawing/2010/main" xmlns="">
                 <a:solidFill>
                   <a:srgbClr val="FFFFFF"/>
                 </a:solidFill>
               </a14:hiddenFill>
             </a:ext>
             <a:ext uri="{91240B29-F687-4f45-9708-019B960494DF}">
-              <a14:hiddenLine xmlns="" xmlns:a14="http://schemas.microsoft.com/office/drawing/2010/main" w="9525">
+              <a14:hiddenLine xmlns:a14="http://schemas.microsoft.com/office/drawing/2010/main" xmlns="" w="9525">
                 <a:solidFill>
                   <a:srgbClr val="000000"/>
                 </a:solidFill>
@@ -5112,7 +5612,7 @@
           </a:ln>
           <a:extLst>
             <a:ext uri="{FAA26D3D-D897-4be2-8F04-BA451C77F1D7}">
-              <ma14:placeholderFlag xmlns="" xmlns:ma14="http://schemas.microsoft.com/office/mac/drawingml/2011/main" val="1"/>
+              <ma14:placeholderFlag xmlns:ma14="http://schemas.microsoft.com/office/mac/drawingml/2011/main" xmlns="" val="1"/>
             </a:ext>
           </a:extLst>
         </p:spPr>
@@ -5141,7 +5641,7 @@
           </a:ln>
           <a:extLst>
             <a:ext uri="{FAA26D3D-D897-4be2-8F04-BA451C77F1D7}">
-              <ma14:placeholderFlag xmlns="" xmlns:ma14="http://schemas.microsoft.com/office/mac/drawingml/2011/main" val="1"/>
+              <ma14:placeholderFlag xmlns:ma14="http://schemas.microsoft.com/office/mac/drawingml/2011/main" xmlns="" val="1"/>
             </a:ext>
           </a:extLst>
         </p:spPr>
@@ -5277,14 +5777,14 @@
           </a:ln>
           <a:extLst>
             <a:ext uri="{909E8E84-426E-40dd-AFC4-6F175D3DCCD1}">
-              <a14:hiddenFill xmlns="" xmlns:a14="http://schemas.microsoft.com/office/drawing/2010/main">
+              <a14:hiddenFill xmlns:a14="http://schemas.microsoft.com/office/drawing/2010/main" xmlns="">
                 <a:solidFill>
                   <a:srgbClr val="FFFFFF"/>
                 </a:solidFill>
               </a14:hiddenFill>
             </a:ext>
             <a:ext uri="{91240B29-F687-4f45-9708-019B960494DF}">
-              <a14:hiddenLine xmlns="" xmlns:a14="http://schemas.microsoft.com/office/drawing/2010/main" w="9525">
+              <a14:hiddenLine xmlns:a14="http://schemas.microsoft.com/office/drawing/2010/main" xmlns="" w="9525">
                 <a:solidFill>
                   <a:srgbClr val="000000"/>
                 </a:solidFill>
@@ -6886,14 +7386,14 @@
           </a:ln>
           <a:extLst>
             <a:ext uri="{909E8E84-426E-40dd-AFC4-6F175D3DCCD1}">
-              <a14:hiddenFill xmlns="" xmlns:a14="http://schemas.microsoft.com/office/drawing/2010/main">
+              <a14:hiddenFill xmlns:a14="http://schemas.microsoft.com/office/drawing/2010/main" xmlns="">
                 <a:solidFill>
                   <a:srgbClr val="FFFFFF"/>
                 </a:solidFill>
               </a14:hiddenFill>
             </a:ext>
             <a:ext uri="{91240B29-F687-4f45-9708-019B960494DF}">
-              <a14:hiddenLine xmlns="" xmlns:a14="http://schemas.microsoft.com/office/drawing/2010/main" w="9525">
+              <a14:hiddenLine xmlns:a14="http://schemas.microsoft.com/office/drawing/2010/main" xmlns="" w="9525">
                 <a:solidFill>
                   <a:srgbClr val="000000"/>
                 </a:solidFill>
@@ -6903,7 +7403,7 @@
               </a14:hiddenLine>
             </a:ext>
             <a:ext uri="{FAA26D3D-D897-4be2-8F04-BA451C77F1D7}">
-              <ma14:placeholderFlag xmlns="" xmlns:ma14="http://schemas.microsoft.com/office/mac/drawingml/2011/main" val="1"/>
+              <ma14:placeholderFlag xmlns:ma14="http://schemas.microsoft.com/office/mac/drawingml/2011/main" xmlns="" val="1"/>
             </a:ext>
           </a:extLst>
         </p:spPr>
@@ -6947,14 +7447,14 @@
           </a:ln>
           <a:extLst>
             <a:ext uri="{909E8E84-426E-40dd-AFC4-6F175D3DCCD1}">
-              <a14:hiddenFill xmlns="" xmlns:a14="http://schemas.microsoft.com/office/drawing/2010/main">
+              <a14:hiddenFill xmlns:a14="http://schemas.microsoft.com/office/drawing/2010/main" xmlns="">
                 <a:solidFill>
                   <a:srgbClr val="FFFFFF"/>
                 </a:solidFill>
               </a14:hiddenFill>
             </a:ext>
             <a:ext uri="{91240B29-F687-4f45-9708-019B960494DF}">
-              <a14:hiddenLine xmlns="" xmlns:a14="http://schemas.microsoft.com/office/drawing/2010/main" w="9525">
+              <a14:hiddenLine xmlns:a14="http://schemas.microsoft.com/office/drawing/2010/main" xmlns="" w="9525">
                 <a:solidFill>
                   <a:srgbClr val="000000"/>
                 </a:solidFill>
@@ -6964,7 +7464,7 @@
               </a14:hiddenLine>
             </a:ext>
             <a:ext uri="{FAA26D3D-D897-4be2-8F04-BA451C77F1D7}">
-              <ma14:placeholderFlag xmlns="" xmlns:ma14="http://schemas.microsoft.com/office/mac/drawingml/2011/main" val="1"/>
+              <ma14:placeholderFlag xmlns:ma14="http://schemas.microsoft.com/office/mac/drawingml/2011/main" xmlns="" val="1"/>
             </a:ext>
           </a:extLst>
         </p:spPr>
@@ -7100,14 +7600,14 @@
           </a:ln>
           <a:extLst>
             <a:ext uri="{909E8E84-426E-40dd-AFC4-6F175D3DCCD1}">
-              <a14:hiddenFill xmlns="" xmlns:a14="http://schemas.microsoft.com/office/drawing/2010/main">
+              <a14:hiddenFill xmlns:a14="http://schemas.microsoft.com/office/drawing/2010/main" xmlns="">
                 <a:solidFill>
                   <a:srgbClr val="FFFFFF"/>
                 </a:solidFill>
               </a14:hiddenFill>
             </a:ext>
             <a:ext uri="{91240B29-F687-4f45-9708-019B960494DF}">
-              <a14:hiddenLine xmlns="" xmlns:a14="http://schemas.microsoft.com/office/drawing/2010/main" w="9525">
+              <a14:hiddenLine xmlns:a14="http://schemas.microsoft.com/office/drawing/2010/main" xmlns="" w="9525">
                 <a:solidFill>
                   <a:srgbClr val="000000"/>
                 </a:solidFill>
@@ -8635,14 +9135,14 @@
           </a:ln>
           <a:extLst>
             <a:ext uri="{909E8E84-426E-40dd-AFC4-6F175D3DCCD1}">
-              <a14:hiddenFill xmlns="" xmlns:a14="http://schemas.microsoft.com/office/drawing/2010/main">
+              <a14:hiddenFill xmlns:a14="http://schemas.microsoft.com/office/drawing/2010/main" xmlns="">
                 <a:solidFill>
                   <a:srgbClr val="FFFFFF"/>
                 </a:solidFill>
               </a14:hiddenFill>
             </a:ext>
             <a:ext uri="{91240B29-F687-4f45-9708-019B960494DF}">
-              <a14:hiddenLine xmlns="" xmlns:a14="http://schemas.microsoft.com/office/drawing/2010/main" w="9525">
+              <a14:hiddenLine xmlns:a14="http://schemas.microsoft.com/office/drawing/2010/main" xmlns="" w="9525">
                 <a:solidFill>
                   <a:srgbClr val="000000"/>
                 </a:solidFill>
@@ -8689,14 +9189,14 @@
           </a:ln>
           <a:extLst>
             <a:ext uri="{909E8E84-426E-40dd-AFC4-6F175D3DCCD1}">
-              <a14:hiddenFill xmlns="" xmlns:a14="http://schemas.microsoft.com/office/drawing/2010/main">
+              <a14:hiddenFill xmlns:a14="http://schemas.microsoft.com/office/drawing/2010/main" xmlns="">
                 <a:solidFill>
                   <a:srgbClr val="FFFFFF"/>
                 </a:solidFill>
               </a14:hiddenFill>
             </a:ext>
             <a:ext uri="{91240B29-F687-4f45-9708-019B960494DF}">
-              <a14:hiddenLine xmlns="" xmlns:a14="http://schemas.microsoft.com/office/drawing/2010/main" w="9525">
+              <a14:hiddenLine xmlns:a14="http://schemas.microsoft.com/office/drawing/2010/main" xmlns="" w="9525">
                 <a:solidFill>
                   <a:srgbClr val="000000"/>
                 </a:solidFill>
@@ -8730,14 +9230,14 @@
           </a:ln>
           <a:extLst>
             <a:ext uri="{909E8E84-426E-40dd-AFC4-6F175D3DCCD1}">
-              <a14:hiddenFill xmlns="" xmlns:a14="http://schemas.microsoft.com/office/drawing/2010/main">
+              <a14:hiddenFill xmlns:a14="http://schemas.microsoft.com/office/drawing/2010/main" xmlns="">
                 <a:solidFill>
                   <a:srgbClr val="FFFFFF"/>
                 </a:solidFill>
               </a14:hiddenFill>
             </a:ext>
             <a:ext uri="{91240B29-F687-4f45-9708-019B960494DF}">
-              <a14:hiddenLine xmlns="" xmlns:a14="http://schemas.microsoft.com/office/drawing/2010/main" w="9525">
+              <a14:hiddenLine xmlns:a14="http://schemas.microsoft.com/office/drawing/2010/main" xmlns="" w="9525">
                 <a:solidFill>
                   <a:srgbClr val="000000"/>
                 </a:solidFill>
@@ -8891,14 +9391,14 @@
           </a:ln>
           <a:extLst>
             <a:ext uri="{909E8E84-426E-40dd-AFC4-6F175D3DCCD1}">
-              <a14:hiddenFill xmlns="" xmlns:a14="http://schemas.microsoft.com/office/drawing/2010/main">
+              <a14:hiddenFill xmlns:a14="http://schemas.microsoft.com/office/drawing/2010/main" xmlns="">
                 <a:solidFill>
                   <a:srgbClr val="FFFFFF"/>
                 </a:solidFill>
               </a14:hiddenFill>
             </a:ext>
             <a:ext uri="{91240B29-F687-4f45-9708-019B960494DF}">
-              <a14:hiddenLine xmlns="" xmlns:a14="http://schemas.microsoft.com/office/drawing/2010/main" w="9525">
+              <a14:hiddenLine xmlns:a14="http://schemas.microsoft.com/office/drawing/2010/main" xmlns="" w="9525">
                 <a:solidFill>
                   <a:srgbClr val="000000"/>
                 </a:solidFill>
@@ -9989,14 +10489,14 @@
           </a:ln>
           <a:extLst>
             <a:ext uri="{909E8E84-426E-40dd-AFC4-6F175D3DCCD1}">
-              <a14:hiddenFill xmlns="" xmlns:a14="http://schemas.microsoft.com/office/drawing/2010/main">
+              <a14:hiddenFill xmlns:a14="http://schemas.microsoft.com/office/drawing/2010/main" xmlns="">
                 <a:solidFill>
                   <a:srgbClr val="FFFFFF"/>
                 </a:solidFill>
               </a14:hiddenFill>
             </a:ext>
             <a:ext uri="{91240B29-F687-4f45-9708-019B960494DF}">
-              <a14:hiddenLine xmlns="" xmlns:a14="http://schemas.microsoft.com/office/drawing/2010/main" w="9525">
+              <a14:hiddenLine xmlns:a14="http://schemas.microsoft.com/office/drawing/2010/main" xmlns="" w="9525">
                 <a:solidFill>
                   <a:srgbClr val="000000"/>
                 </a:solidFill>
@@ -10533,7 +11033,13 @@
       </p:grpSpPr>
       <p:sp>
         <p:nvSpPr>
-          <p:cNvPr id="47105" name="Title 1"/>
+          <p:cNvPr id="2" name="Title 1">
+            <a:extLst>
+              <a:ext uri="{FF2B5EF4-FFF2-40B4-BE49-F238E27FC236}">
+                <a16:creationId xmlns:a16="http://schemas.microsoft.com/office/drawing/2014/main" id="{AFD05EFD-2B84-4C44-814D-5233DF02B1E7}"/>
+              </a:ext>
+            </a:extLst>
+          </p:cNvPr>
           <p:cNvSpPr>
             <a:spLocks noGrp="1"/>
           </p:cNvSpPr>
@@ -10541,207 +11047,104 @@
             <p:ph type="title"/>
           </p:nvPr>
         </p:nvSpPr>
-        <p:spPr>
-          <a:xfrm>
-            <a:off x="1676400" y="0"/>
-            <a:ext cx="8839200" cy="1143000"/>
-          </a:xfrm>
-        </p:spPr>
+        <p:spPr/>
         <p:txBody>
           <a:bodyPr/>
           <a:lstStyle/>
           <a:p>
             <a:r>
-              <a:rPr lang="en-US">
-                <a:latin typeface="Calibri" charset="0"/>
-                <a:ea typeface="ＭＳ Ｐゴシック" charset="0"/>
-              </a:rPr>
-              <a:t>BioStar exercise</a:t>
+              <a:rPr lang="en-US" dirty="0"/>
+              <a:t>Examples of RNA-</a:t>
+            </a:r>
+            <a:r>
+              <a:rPr lang="en-US" dirty="0" err="1"/>
+              <a:t>seq</a:t>
+            </a:r>
+            <a:r>
+              <a:rPr lang="en-US" dirty="0"/>
+              <a:t> data analysis workflows for differential gene expression</a:t>
             </a:r>
           </a:p>
         </p:txBody>
       </p:sp>
-      <p:sp>
-        <p:nvSpPr>
-          <p:cNvPr id="47106" name="Content Placeholder 2"/>
-          <p:cNvSpPr>
-            <a:spLocks noGrp="1"/>
-          </p:cNvSpPr>
+      <p:pic>
+        <p:nvPicPr>
+          <p:cNvPr id="5" name="Content Placeholder 4">
+            <a:extLst>
+              <a:ext uri="{FF2B5EF4-FFF2-40B4-BE49-F238E27FC236}">
+                <a16:creationId xmlns:a16="http://schemas.microsoft.com/office/drawing/2014/main" id="{437B67F5-B79E-4A48-A23A-980C8FAAB391}"/>
+              </a:ext>
+            </a:extLst>
+          </p:cNvPr>
+          <p:cNvPicPr>
+            <a:picLocks noGrp="1" noChangeAspect="1"/>
+          </p:cNvPicPr>
           <p:nvPr>
             <p:ph idx="1"/>
           </p:nvPr>
+        </p:nvPicPr>
+        <p:blipFill>
+          <a:blip r:embed="rId3">
+            <a:extLst>
+              <a:ext uri="{28A0092B-C50C-407E-A947-70E740481C1C}">
+                <a14:useLocalDpi xmlns:a14="http://schemas.microsoft.com/office/drawing/2010/main" val="0"/>
+              </a:ext>
+            </a:extLst>
+          </a:blip>
+          <a:stretch>
+            <a:fillRect/>
+          </a:stretch>
+        </p:blipFill>
+        <p:spPr>
+          <a:xfrm>
+            <a:off x="2017839" y="1600200"/>
+            <a:ext cx="8156321" cy="4724400"/>
+          </a:xfrm>
+        </p:spPr>
+      </p:pic>
+      <p:sp>
+        <p:nvSpPr>
+          <p:cNvPr id="6" name="TextBox 5">
+            <a:hlinkClick r:id="rId4"/>
+            <a:extLst>
+              <a:ext uri="{FF2B5EF4-FFF2-40B4-BE49-F238E27FC236}">
+                <a16:creationId xmlns:a16="http://schemas.microsoft.com/office/drawing/2014/main" id="{A17E41E2-F46E-3D4B-87FD-FA162EF64F3B}"/>
+              </a:ext>
+            </a:extLst>
+          </p:cNvPr>
+          <p:cNvSpPr txBox="1"/>
+          <p:nvPr/>
         </p:nvSpPr>
         <p:spPr>
           <a:xfrm>
-            <a:off x="695400" y="1066800"/>
-            <a:ext cx="10657184" cy="5105400"/>
+            <a:off x="47328" y="5847655"/>
+            <a:ext cx="2425664" cy="461665"/>
           </a:xfrm>
+          <a:prstGeom prst="rect">
+            <a:avLst/>
+          </a:prstGeom>
+          <a:noFill/>
         </p:spPr>
         <p:txBody>
-          <a:bodyPr/>
+          <a:bodyPr wrap="none" rtlCol="0">
+            <a:spAutoFit/>
+          </a:bodyPr>
           <a:lstStyle/>
           <a:p>
             <a:r>
-              <a:rPr lang="en-US" dirty="0">
-                <a:latin typeface="Calibri" charset="0"/>
-                <a:ea typeface="ＭＳ Ｐゴシック" charset="0"/>
-              </a:rPr>
-              <a:t>Go to the </a:t>
-            </a:r>
-            <a:r>
-              <a:rPr lang="en-US" dirty="0" err="1">
-                <a:latin typeface="Calibri" charset="0"/>
-                <a:ea typeface="ＭＳ Ｐゴシック" charset="0"/>
-              </a:rPr>
-              <a:t>BioStar</a:t>
-            </a:r>
-            <a:r>
-              <a:rPr lang="en-US" dirty="0">
-                <a:latin typeface="Calibri" charset="0"/>
-                <a:ea typeface="ＭＳ Ｐゴシック" charset="0"/>
-              </a:rPr>
-              <a:t> website:</a:t>
-            </a:r>
-          </a:p>
-          <a:p>
-            <a:pPr lvl="1"/>
-            <a:r>
-              <a:rPr lang="en-US" dirty="0">
-                <a:latin typeface="Calibri" charset="0"/>
-                <a:ea typeface="ＭＳ Ｐゴシック" charset="0"/>
-                <a:hlinkClick r:id="rId2"/>
-              </a:rPr>
-              <a:t>http://www.biostars.org/</a:t>
-            </a:r>
-            <a:endParaRPr lang="en-US" dirty="0">
-              <a:latin typeface="Calibri" charset="0"/>
-              <a:ea typeface="ＭＳ Ｐゴシック" charset="0"/>
-            </a:endParaRPr>
-          </a:p>
-          <a:p>
-            <a:pPr lvl="1"/>
-            <a:r>
-              <a:rPr lang="en-US" dirty="0">
-                <a:latin typeface="Calibri" charset="0"/>
-                <a:ea typeface="ＭＳ Ｐゴシック" charset="0"/>
-              </a:rPr>
-              <a:t>If you do not already have an OpenID (e.g. Google, Yahoo, etc.)</a:t>
-            </a:r>
-          </a:p>
-          <a:p>
-            <a:pPr lvl="1"/>
-            <a:r>
-              <a:rPr lang="en-US" dirty="0">
-                <a:latin typeface="Calibri" charset="0"/>
-                <a:ea typeface="ＭＳ Ｐゴシック" charset="0"/>
-              </a:rPr>
-              <a:t>Login -&gt; </a:t>
-            </a:r>
-            <a:r>
-              <a:rPr lang="ja-JP" altLang="en-US">
-                <a:latin typeface="Calibri" charset="0"/>
-                <a:ea typeface="ＭＳ Ｐゴシック" charset="0"/>
-              </a:rPr>
-              <a:t>‘</a:t>
-            </a:r>
-            <a:r>
-              <a:rPr lang="en-US" altLang="ja-JP" dirty="0">
-                <a:latin typeface="Calibri" charset="0"/>
-                <a:ea typeface="ＭＳ Ｐゴシック" charset="0"/>
-              </a:rPr>
-              <a:t>get one</a:t>
-            </a:r>
-            <a:r>
-              <a:rPr lang="ja-JP" altLang="en-US">
-                <a:latin typeface="Calibri" charset="0"/>
-                <a:ea typeface="ＭＳ Ｐゴシック" charset="0"/>
-              </a:rPr>
-              <a:t>’</a:t>
-            </a:r>
-            <a:endParaRPr lang="en-US" altLang="ja-JP" dirty="0">
-              <a:latin typeface="Calibri" charset="0"/>
-              <a:ea typeface="ＭＳ Ｐゴシック" charset="0"/>
-            </a:endParaRPr>
-          </a:p>
-          <a:p>
-            <a:r>
-              <a:rPr lang="en-US" dirty="0">
-                <a:latin typeface="Calibri" charset="0"/>
-                <a:ea typeface="ＭＳ Ｐゴシック" charset="0"/>
-              </a:rPr>
-              <a:t>Login and set up your user profile</a:t>
-            </a:r>
-          </a:p>
-          <a:p>
-            <a:r>
-              <a:rPr lang="en-US" dirty="0">
-                <a:latin typeface="Calibri" charset="0"/>
-                <a:ea typeface="ＭＳ Ｐゴシック" charset="0"/>
-              </a:rPr>
-              <a:t>Tasks:</a:t>
-            </a:r>
-          </a:p>
-          <a:p>
-            <a:pPr lvl="1"/>
-            <a:r>
-              <a:rPr lang="en-US" dirty="0">
-                <a:latin typeface="Calibri" charset="0"/>
-                <a:ea typeface="ＭＳ Ｐゴシック" charset="0"/>
-              </a:rPr>
-              <a:t>Find a question that seems useful and </a:t>
-            </a:r>
-            <a:r>
-              <a:rPr lang="ja-JP" altLang="en-US">
-                <a:latin typeface="Calibri" charset="0"/>
-                <a:ea typeface="ＭＳ Ｐゴシック" charset="0"/>
-              </a:rPr>
-              <a:t>‘</a:t>
-            </a:r>
-            <a:r>
-              <a:rPr lang="en-US" altLang="ja-JP" dirty="0">
-                <a:latin typeface="Calibri" charset="0"/>
-                <a:ea typeface="ＭＳ Ｐゴシック" charset="0"/>
-              </a:rPr>
-              <a:t>vote it up</a:t>
-            </a:r>
-            <a:r>
-              <a:rPr lang="ja-JP" altLang="en-US">
-                <a:latin typeface="Calibri" charset="0"/>
-                <a:ea typeface="ＭＳ Ｐゴシック" charset="0"/>
-              </a:rPr>
-              <a:t>’</a:t>
-            </a:r>
-            <a:endParaRPr lang="en-US" altLang="ja-JP" dirty="0">
-              <a:latin typeface="Calibri" charset="0"/>
-              <a:ea typeface="ＭＳ Ｐゴシック" charset="0"/>
-            </a:endParaRPr>
-          </a:p>
-          <a:p>
-            <a:pPr lvl="1"/>
-            <a:r>
-              <a:rPr lang="en-US" dirty="0">
-                <a:latin typeface="Calibri" charset="0"/>
-                <a:ea typeface="ＭＳ Ｐゴシック" charset="0"/>
-              </a:rPr>
-              <a:t>Answer a question [optional]</a:t>
-            </a:r>
-          </a:p>
-          <a:p>
-            <a:pPr lvl="1"/>
-            <a:r>
-              <a:rPr lang="en-US" dirty="0">
-                <a:latin typeface="Calibri" charset="0"/>
-                <a:ea typeface="ＭＳ Ｐゴシック" charset="0"/>
-              </a:rPr>
-              <a:t>Search for a topic area of interest and ask a question that has not already been asked [optional]</a:t>
-            </a:r>
+              <a:rPr lang="en-US" i="1" dirty="0">
+                <a:hlinkClick r:id="rId4"/>
+              </a:rPr>
+              <a:t>Stark et al. 2019</a:t>
+            </a:r>
+            <a:endParaRPr lang="en-US" dirty="0"/>
           </a:p>
         </p:txBody>
       </p:sp>
     </p:spTree>
     <p:extLst>
       <p:ext uri="{BB962C8B-B14F-4D97-AF65-F5344CB8AC3E}">
-        <p14:creationId xmlns:p14="http://schemas.microsoft.com/office/powerpoint/2010/main" val="2850132818"/>
+        <p14:creationId xmlns:p14="http://schemas.microsoft.com/office/powerpoint/2010/main" val="3321764466"/>
       </p:ext>
     </p:extLst>
   </p:cSld>
@@ -11837,14 +12240,14 @@
           </a:ln>
           <a:extLst>
             <a:ext uri="{909E8E84-426E-40dd-AFC4-6F175D3DCCD1}">
-              <a14:hiddenFill xmlns="" xmlns:a14="http://schemas.microsoft.com/office/drawing/2010/main">
+              <a14:hiddenFill xmlns:a14="http://schemas.microsoft.com/office/drawing/2010/main" xmlns="">
                 <a:solidFill>
                   <a:srgbClr val="FFFFFF"/>
                 </a:solidFill>
               </a14:hiddenFill>
             </a:ext>
             <a:ext uri="{91240B29-F687-4f45-9708-019B960494DF}">
-              <a14:hiddenLine xmlns="" xmlns:a14="http://schemas.microsoft.com/office/drawing/2010/main" w="9525">
+              <a14:hiddenLine xmlns:a14="http://schemas.microsoft.com/office/drawing/2010/main" xmlns="" w="9525">
                 <a:solidFill>
                   <a:srgbClr val="000000"/>
                 </a:solidFill>
@@ -12581,14 +12984,14 @@
           </a:ln>
           <a:extLst>
             <a:ext uri="{909E8E84-426E-40dd-AFC4-6F175D3DCCD1}">
-              <a14:hiddenFill xmlns:a14="http://schemas.microsoft.com/office/drawing/2010/main" xmlns="">
+              <a14:hiddenFill xmlns="" xmlns:a14="http://schemas.microsoft.com/office/drawing/2010/main">
                 <a:solidFill>
                   <a:srgbClr val="FFFFFF"/>
                 </a:solidFill>
               </a14:hiddenFill>
             </a:ext>
             <a:ext uri="{91240B29-F687-4f45-9708-019B960494DF}">
-              <a14:hiddenLine xmlns:a14="http://schemas.microsoft.com/office/drawing/2010/main" xmlns="" w="9525">
+              <a14:hiddenLine xmlns="" xmlns:a14="http://schemas.microsoft.com/office/drawing/2010/main" w="9525">
                 <a:solidFill>
                   <a:srgbClr val="000000"/>
                 </a:solidFill>
@@ -12939,17 +13342,31 @@
           <a:lstStyle/>
           <a:p>
             <a:r>
-              <a:rPr lang="en-US">
-                <a:latin typeface="Calibri" charset="0"/>
-                <a:ea typeface="ＭＳ Ｐゴシック" charset="0"/>
-              </a:rPr>
-              <a:t>Introduction to the theory and practice of RNA sequencing (RNA-seq) analysis</a:t>
+              <a:rPr lang="en-US" dirty="0">
+                <a:latin typeface="Calibri" charset="0"/>
+                <a:ea typeface="ＭＳ Ｐゴシック" charset="0"/>
+              </a:rPr>
+              <a:t>Introduction to the theory and practice of RNA sequencing (RNA-</a:t>
+            </a:r>
+            <a:r>
+              <a:rPr lang="en-US" dirty="0" err="1">
+                <a:latin typeface="Calibri" charset="0"/>
+                <a:ea typeface="ＭＳ Ｐゴシック" charset="0"/>
+              </a:rPr>
+              <a:t>seq</a:t>
+            </a:r>
+            <a:r>
+              <a:rPr lang="en-US" dirty="0">
+                <a:latin typeface="Calibri" charset="0"/>
+                <a:ea typeface="ＭＳ Ｐゴシック" charset="0"/>
+              </a:rPr>
+              <a:t>) analysis</a:t>
             </a:r>
           </a:p>
           <a:p>
             <a:pPr lvl="1"/>
             <a:r>
-              <a:rPr lang="en-US">
+              <a:rPr lang="en-US" dirty="0">
                 <a:latin typeface="Calibri" charset="0"/>
                 <a:ea typeface="ＭＳ Ｐゴシック" charset="0"/>
               </a:rPr>
@@ -12959,51 +13376,94 @@
           <a:p>
             <a:pPr lvl="1"/>
             <a:r>
-              <a:rPr lang="en-US">
-                <a:latin typeface="Calibri" charset="0"/>
-                <a:ea typeface="ＭＳ Ｐゴシック" charset="0"/>
-              </a:rPr>
-              <a:t>Challenges specific to RNA-seq</a:t>
-            </a:r>
+              <a:rPr lang="en-US" dirty="0">
+                <a:latin typeface="Calibri" charset="0"/>
+                <a:ea typeface="ＭＳ Ｐゴシック" charset="0"/>
+              </a:rPr>
+              <a:t>Challenges specific to RNA-</a:t>
+            </a:r>
+            <a:r>
+              <a:rPr lang="en-US" dirty="0" err="1">
+                <a:latin typeface="Calibri" charset="0"/>
+                <a:ea typeface="ＭＳ Ｐゴシック" charset="0"/>
+              </a:rPr>
+              <a:t>seq</a:t>
+            </a:r>
+            <a:endParaRPr lang="en-US" dirty="0">
+              <a:latin typeface="Calibri" charset="0"/>
+              <a:ea typeface="ＭＳ Ｐゴシック" charset="0"/>
+            </a:endParaRPr>
           </a:p>
           <a:p>
             <a:pPr lvl="1"/>
             <a:r>
-              <a:rPr lang="en-US">
-                <a:latin typeface="Calibri" charset="0"/>
-                <a:ea typeface="ＭＳ Ｐゴシック" charset="0"/>
-              </a:rPr>
-              <a:t>General goals and themes of RNA-seq analysis work flows</a:t>
+              <a:rPr lang="en-US" dirty="0">
+                <a:latin typeface="Calibri" charset="0"/>
+                <a:ea typeface="ＭＳ Ｐゴシック" charset="0"/>
+              </a:rPr>
+              <a:t>General goals and themes of RNA-</a:t>
+            </a:r>
+            <a:r>
+              <a:rPr lang="en-US" dirty="0" err="1">
+                <a:latin typeface="Calibri" charset="0"/>
+                <a:ea typeface="ＭＳ Ｐゴシック" charset="0"/>
+              </a:rPr>
+              <a:t>seq</a:t>
+            </a:r>
+            <a:r>
+              <a:rPr lang="en-US" dirty="0">
+                <a:latin typeface="Calibri" charset="0"/>
+                <a:ea typeface="ＭＳ Ｐゴシック" charset="0"/>
+              </a:rPr>
+              <a:t> analysis work flows</a:t>
             </a:r>
           </a:p>
           <a:p>
             <a:pPr lvl="1"/>
             <a:r>
-              <a:rPr lang="en-US">
-                <a:latin typeface="Calibri" charset="0"/>
-                <a:ea typeface="ＭＳ Ｐゴシック" charset="0"/>
-              </a:rPr>
-              <a:t>Common technical questions related to RNA-seq analysis</a:t>
+              <a:rPr lang="en-US" dirty="0">
+                <a:latin typeface="Calibri" charset="0"/>
+                <a:ea typeface="ＭＳ Ｐゴシック" charset="0"/>
+              </a:rPr>
+              <a:t>Common technical questions related to RNA-</a:t>
+            </a:r>
+            <a:r>
+              <a:rPr lang="en-US" dirty="0" err="1">
+                <a:latin typeface="Calibri" charset="0"/>
+                <a:ea typeface="ＭＳ Ｐゴシック" charset="0"/>
+              </a:rPr>
+              <a:t>seq</a:t>
+            </a:r>
+            <a:r>
+              <a:rPr lang="en-US" dirty="0">
+                <a:latin typeface="Calibri" charset="0"/>
+                <a:ea typeface="ＭＳ Ｐゴシック" charset="0"/>
+              </a:rPr>
+              <a:t> analysis</a:t>
             </a:r>
           </a:p>
           <a:p>
             <a:pPr lvl="1"/>
             <a:r>
-              <a:rPr lang="en-US">
-                <a:latin typeface="Calibri" charset="0"/>
-                <a:ea typeface="ＭＳ Ｐゴシック" charset="0"/>
-              </a:rPr>
-              <a:t>Getting help outside of this course</a:t>
-            </a:r>
-          </a:p>
-          <a:p>
-            <a:pPr lvl="1"/>
-            <a:r>
-              <a:rPr lang="en-US">
-                <a:latin typeface="Calibri" charset="0"/>
-                <a:ea typeface="ＭＳ Ｐゴシック" charset="0"/>
-              </a:rPr>
-              <a:t>Introduction to the RNA-seq hands on tutorial</a:t>
+              <a:rPr lang="en-US" dirty="0">
+                <a:latin typeface="Calibri" charset="0"/>
+                <a:ea typeface="ＭＳ Ｐゴシック" charset="0"/>
+              </a:rPr>
+              <a:t>Introduction to the RNA-</a:t>
+            </a:r>
+            <a:r>
+              <a:rPr lang="en-US" dirty="0" err="1">
+                <a:latin typeface="Calibri" charset="0"/>
+                <a:ea typeface="ＭＳ Ｐゴシック" charset="0"/>
+              </a:rPr>
+              <a:t>seq</a:t>
+            </a:r>
+            <a:r>
+              <a:rPr lang="en-US" dirty="0">
+                <a:latin typeface="Calibri" charset="0"/>
+                <a:ea typeface="ＭＳ Ｐゴシック" charset="0"/>
+              </a:rPr>
+              <a:t> hands on tutorial</a:t>
             </a:r>
           </a:p>
         </p:txBody>

--- a/assets/lectures/cbw/2020/full/RNASeq_Module1_IntrotoRNA.pptx
+++ b/assets/lectures/cbw/2020/full/RNASeq_Module1_IntrotoRNA.pptx
@@ -11515,26 +11515,23 @@
                 <a:spcPct val="80000"/>
               </a:lnSpc>
             </a:pPr>
+            <a:endParaRPr lang="en-US" sz="2600" dirty="0">
+              <a:latin typeface="Calibri" charset="0"/>
+              <a:ea typeface="ＭＳ Ｐゴシック" charset="0"/>
+            </a:endParaRPr>
+          </a:p>
+          <a:p>
+            <a:pPr>
+              <a:lnSpc>
+                <a:spcPct val="80000"/>
+              </a:lnSpc>
+            </a:pPr>
             <a:r>
               <a:rPr lang="en-US" sz="2600" dirty="0">
                 <a:latin typeface="Calibri" charset="0"/>
                 <a:ea typeface="ＭＳ Ｐゴシック" charset="0"/>
               </a:rPr>
-              <a:t>Good news:  1-2 lanes of recent Illumina </a:t>
-            </a:r>
-            <a:r>
-              <a:rPr lang="en-US" sz="2600" dirty="0" err="1">
-                <a:latin typeface="Calibri" charset="0"/>
-                <a:ea typeface="ＭＳ Ｐゴシック" charset="0"/>
-              </a:rPr>
-              <a:t>HiSeq</a:t>
-            </a:r>
-            <a:r>
-              <a:rPr lang="en-US" sz="2600" dirty="0">
-                <a:latin typeface="Calibri" charset="0"/>
-                <a:ea typeface="ＭＳ Ｐゴシック" charset="0"/>
-              </a:rPr>
-              <a:t> data should be enough for most purposes</a:t>
+              <a:t>For DGE analysis only, 30-40 million reads is a common recommendation. More replicates can be more valuable than deeper libraries. Short (e.g. 50-75bp), single-end reads may be used to drive cost down as low as possible.</a:t>
             </a:r>
           </a:p>
         </p:txBody>
